--- a/Sharu_Lucky Process Mining ppt.pptx
+++ b/Sharu_Lucky Process Mining ppt.pptx
@@ -144,56 +144,26 @@
 <file path=ppt/changesInfos/changesInfo1.xml><?xml version="1.0" encoding="utf-8"?>
 <pc:chgInfo xmlns:a="http://schemas.openxmlformats.org/drawingml/2006/main" xmlns:r="http://schemas.openxmlformats.org/officeDocument/2006/relationships" xmlns:ac="http://schemas.microsoft.com/office/drawing/2013/main/command" xmlns:pc="http://schemas.microsoft.com/office/powerpoint/2013/main/command">
   <pc:docChgLst>
-    <pc:chgData name="chaitanya sharan" userId="bff05e3dbadb14df" providerId="LiveId" clId="{41C8F3F4-8C72-48E8-8575-0695EC17017F}"/>
-    <pc:docChg chg="undo custSel modSld">
-      <pc:chgData name="chaitanya sharan" userId="bff05e3dbadb14df" providerId="LiveId" clId="{41C8F3F4-8C72-48E8-8575-0695EC17017F}" dt="2024-09-28T05:48:24.208" v="189" actId="5793"/>
+    <pc:chgData name="chaitanya sharan" userId="bff05e3dbadb14df" providerId="LiveId" clId="{4EF9B700-AF8D-4D52-8B57-02ED17E3DA88}"/>
+    <pc:docChg chg="modSld">
+      <pc:chgData name="chaitanya sharan" userId="bff05e3dbadb14df" providerId="LiveId" clId="{4EF9B700-AF8D-4D52-8B57-02ED17E3DA88}" dt="2024-09-28T08:33:32.573" v="4" actId="14100"/>
       <pc:docMkLst>
         <pc:docMk/>
       </pc:docMkLst>
-      <pc:sldChg chg="modSp mod">
-        <pc:chgData name="chaitanya sharan" userId="bff05e3dbadb14df" providerId="LiveId" clId="{41C8F3F4-8C72-48E8-8575-0695EC17017F}" dt="2024-09-28T05:47:00.903" v="176" actId="20577"/>
-        <pc:sldMkLst>
-          <pc:docMk/>
-          <pc:sldMk cId="1890699484" sldId="287"/>
-        </pc:sldMkLst>
-        <pc:spChg chg="mod">
-          <ac:chgData name="chaitanya sharan" userId="bff05e3dbadb14df" providerId="LiveId" clId="{41C8F3F4-8C72-48E8-8575-0695EC17017F}" dt="2024-09-28T05:47:00.903" v="176" actId="20577"/>
-          <ac:spMkLst>
-            <pc:docMk/>
-            <pc:sldMk cId="1890699484" sldId="287"/>
-            <ac:spMk id="3" creationId="{0B9CA917-AD8E-4861-804D-4A5A6A205591}"/>
-          </ac:spMkLst>
-        </pc:spChg>
-      </pc:sldChg>
-      <pc:sldChg chg="modSp mod">
-        <pc:chgData name="chaitanya sharan" userId="bff05e3dbadb14df" providerId="LiveId" clId="{41C8F3F4-8C72-48E8-8575-0695EC17017F}" dt="2024-09-28T05:46:46.083" v="175" actId="20577"/>
-        <pc:sldMkLst>
-          <pc:docMk/>
-          <pc:sldMk cId="1206516107" sldId="289"/>
-        </pc:sldMkLst>
-        <pc:spChg chg="mod">
-          <ac:chgData name="chaitanya sharan" userId="bff05e3dbadb14df" providerId="LiveId" clId="{41C8F3F4-8C72-48E8-8575-0695EC17017F}" dt="2024-09-28T05:46:46.083" v="175" actId="20577"/>
-          <ac:spMkLst>
-            <pc:docMk/>
-            <pc:sldMk cId="1206516107" sldId="289"/>
-            <ac:spMk id="3" creationId="{0B9CA917-AD8E-4861-804D-4A5A6A205591}"/>
-          </ac:spMkLst>
-        </pc:spChg>
-      </pc:sldChg>
-      <pc:sldChg chg="modSp mod">
-        <pc:chgData name="chaitanya sharan" userId="bff05e3dbadb14df" providerId="LiveId" clId="{41C8F3F4-8C72-48E8-8575-0695EC17017F}" dt="2024-09-28T05:48:24.208" v="189" actId="5793"/>
+      <pc:sldChg chg="addSp modSp mod">
+        <pc:chgData name="chaitanya sharan" userId="bff05e3dbadb14df" providerId="LiveId" clId="{4EF9B700-AF8D-4D52-8B57-02ED17E3DA88}" dt="2024-09-28T08:33:32.573" v="4" actId="14100"/>
         <pc:sldMkLst>
           <pc:docMk/>
           <pc:sldMk cId="2549359254" sldId="308"/>
         </pc:sldMkLst>
-        <pc:spChg chg="mod">
-          <ac:chgData name="chaitanya sharan" userId="bff05e3dbadb14df" providerId="LiveId" clId="{41C8F3F4-8C72-48E8-8575-0695EC17017F}" dt="2024-09-28T05:48:24.208" v="189" actId="5793"/>
-          <ac:spMkLst>
+        <pc:picChg chg="add mod">
+          <ac:chgData name="chaitanya sharan" userId="bff05e3dbadb14df" providerId="LiveId" clId="{4EF9B700-AF8D-4D52-8B57-02ED17E3DA88}" dt="2024-09-28T08:33:32.573" v="4" actId="14100"/>
+          <ac:picMkLst>
             <pc:docMk/>
             <pc:sldMk cId="2549359254" sldId="308"/>
-            <ac:spMk id="3" creationId="{0B9CA917-AD8E-4861-804D-4A5A6A205591}"/>
-          </ac:spMkLst>
-        </pc:spChg>
+            <ac:picMk id="7" creationId="{FE2349E0-83D2-2C37-BA07-D0B800971AF2}"/>
+          </ac:picMkLst>
+        </pc:picChg>
       </pc:sldChg>
     </pc:docChg>
   </pc:docChgLst>
@@ -10788,6 +10758,42 @@
           </a:p>
         </p:txBody>
       </p:sp>
+      <p:pic>
+        <p:nvPicPr>
+          <p:cNvPr id="7" name="Picture 6">
+            <a:extLst>
+              <a:ext uri="{FF2B5EF4-FFF2-40B4-BE49-F238E27FC236}">
+                <a16:creationId xmlns:a16="http://schemas.microsoft.com/office/drawing/2014/main" id="{FE2349E0-83D2-2C37-BA07-D0B800971AF2}"/>
+              </a:ext>
+            </a:extLst>
+          </p:cNvPr>
+          <p:cNvPicPr>
+            <a:picLocks noChangeAspect="1"/>
+          </p:cNvPicPr>
+          <p:nvPr/>
+        </p:nvPicPr>
+        <p:blipFill>
+          <a:blip r:embed="rId8">
+            <a:extLst>
+              <a:ext uri="{28A0092B-C50C-407E-A947-70E740481C1C}">
+                <a14:useLocalDpi xmlns:a14="http://schemas.microsoft.com/office/drawing/2010/main" val="0"/>
+              </a:ext>
+            </a:extLst>
+          </a:blip>
+          <a:stretch>
+            <a:fillRect/>
+          </a:stretch>
+        </p:blipFill>
+        <p:spPr>
+          <a:xfrm>
+            <a:off x="2101670" y="1257853"/>
+            <a:ext cx="8024389" cy="3795410"/>
+          </a:xfrm>
+          <a:prstGeom prst="rect">
+            <a:avLst/>
+          </a:prstGeom>
+        </p:spPr>
+      </p:pic>
     </p:spTree>
     <p:extLst>
       <p:ext uri="{BB962C8B-B14F-4D97-AF65-F5344CB8AC3E}">
